--- a/turtle/Python and Turtle WOLP Jan 15.pptx
+++ b/turtle/Python and Turtle WOLP Jan 15.pptx
@@ -20,16 +20,15 @@
     <p:sldId id="276" r:id="rId14"/>
     <p:sldId id="265" r:id="rId15"/>
     <p:sldId id="266" r:id="rId16"/>
-    <p:sldId id="267" r:id="rId17"/>
-    <p:sldId id="269" r:id="rId18"/>
-    <p:sldId id="277" r:id="rId19"/>
-    <p:sldId id="271" r:id="rId20"/>
-    <p:sldId id="272" r:id="rId21"/>
-    <p:sldId id="273" r:id="rId22"/>
-    <p:sldId id="274" r:id="rId23"/>
-    <p:sldId id="275" r:id="rId24"/>
-    <p:sldId id="278" r:id="rId25"/>
-    <p:sldId id="281" r:id="rId26"/>
+    <p:sldId id="269" r:id="rId17"/>
+    <p:sldId id="277" r:id="rId18"/>
+    <p:sldId id="271" r:id="rId19"/>
+    <p:sldId id="272" r:id="rId20"/>
+    <p:sldId id="273" r:id="rId21"/>
+    <p:sldId id="274" r:id="rId22"/>
+    <p:sldId id="275" r:id="rId23"/>
+    <p:sldId id="278" r:id="rId24"/>
+    <p:sldId id="281" r:id="rId25"/>
   </p:sldIdLst>
   <p:sldSz cx="9144000" cy="5143500" type="screen16x9"/>
   <p:notesSz cx="6858000" cy="9144000"/>
@@ -10999,7 +10998,7 @@
           <a:p>
             <a:r>
               <a:rPr lang="en-US" dirty="0" smtClean="0"/>
-              <a:t>Importing modules</a:t>
+              <a:t>First methods</a:t>
             </a:r>
             <a:endParaRPr lang="en-US" dirty="0"/>
           </a:p>
@@ -11017,68 +11016,84 @@
         </p:nvSpPr>
         <p:spPr/>
         <p:txBody>
-          <a:bodyPr/>
-          <a:lstStyle/>
-          <a:p>
-            <a:r>
-              <a:rPr lang="en-US" dirty="0" smtClean="0"/>
-              <a:t>You may have noticed that I use the</a:t>
-            </a:r>
-          </a:p>
-          <a:p>
-            <a:pPr lvl="1"/>
+          <a:bodyPr>
+            <a:normAutofit fontScale="92500" lnSpcReduction="20000"/>
+          </a:bodyPr>
+          <a:lstStyle/>
+          <a:p>
+            <a:r>
+              <a:rPr lang="en-US" dirty="0" smtClean="0"/>
+              <a:t>The first methods I would like you to use within your first script are (add them between the comments in the template)</a:t>
+            </a:r>
+          </a:p>
+          <a:p>
+            <a:pPr marL="228600" lvl="1" indent="0">
+              <a:buNone/>
+            </a:pPr>
             <a:r>
               <a:rPr lang="en-US" dirty="0"/>
               <a:t>f</a:t>
             </a:r>
             <a:r>
               <a:rPr lang="en-US" dirty="0" smtClean="0"/>
-              <a:t>rom turtle import *</a:t>
-            </a:r>
-          </a:p>
-          <a:p>
-            <a:r>
-              <a:rPr lang="en-US" dirty="0" smtClean="0"/>
-              <a:t>Rather than</a:t>
-            </a:r>
-          </a:p>
-          <a:p>
-            <a:pPr lvl="1"/>
+              <a:t>orward()</a:t>
+            </a:r>
+          </a:p>
+          <a:p>
+            <a:pPr marL="228600" lvl="1" indent="0">
+              <a:buNone/>
+            </a:pPr>
+            <a:r>
+              <a:rPr lang="en-US" dirty="0" smtClean="0"/>
+              <a:t>right()</a:t>
+            </a:r>
+          </a:p>
+          <a:p>
+            <a:pPr marL="228600" lvl="1" indent="0">
+              <a:buNone/>
+            </a:pPr>
+            <a:r>
+              <a:rPr lang="en-US" dirty="0" smtClean="0"/>
+              <a:t>left()</a:t>
+            </a:r>
+          </a:p>
+          <a:p>
+            <a:pPr marL="228600" lvl="1" indent="0">
+              <a:buNone/>
+            </a:pPr>
             <a:r>
               <a:rPr lang="en-US" dirty="0"/>
-              <a:t>i</a:t>
-            </a:r>
-            <a:r>
-              <a:rPr lang="en-US" dirty="0" smtClean="0"/>
-              <a:t>mport turtle</a:t>
-            </a:r>
-          </a:p>
-          <a:p>
-            <a:r>
-              <a:rPr lang="en-US" dirty="0" smtClean="0"/>
-              <a:t>This is because  </a:t>
-            </a:r>
-            <a:endParaRPr lang="en-US" dirty="0"/>
+              <a:t>b</a:t>
+            </a:r>
+            <a:r>
+              <a:rPr lang="en-US" dirty="0" smtClean="0"/>
+              <a:t>ackward()</a:t>
+            </a:r>
+          </a:p>
+          <a:p>
+            <a:r>
+              <a:rPr lang="en-US" dirty="0" smtClean="0"/>
+              <a:t>These methods all take a single parameter which is either distance or an angle</a:t>
+            </a:r>
+          </a:p>
+          <a:p>
+            <a:r>
+              <a:rPr lang="en-US" dirty="0" smtClean="0"/>
+              <a:t>Can you build a triangle?</a:t>
+            </a:r>
           </a:p>
         </p:txBody>
       </p:sp>
     </p:spTree>
     <p:extLst>
       <p:ext uri="{BB962C8B-B14F-4D97-AF65-F5344CB8AC3E}">
-        <p14:creationId xmlns:p14="http://schemas.microsoft.com/office/powerpoint/2010/main" val="2126110395"/>
+        <p14:creationId xmlns:p14="http://schemas.microsoft.com/office/powerpoint/2010/main" val="3593726300"/>
       </p:ext>
     </p:extLst>
   </p:cSld>
   <p:clrMapOvr>
     <a:masterClrMapping/>
   </p:clrMapOvr>
-  <p:timing>
-    <p:tnLst>
-      <p:par>
-        <p:cTn xmlns:p14="http://schemas.microsoft.com/office/powerpoint/2010/main" id="1" dur="indefinite" restart="never" nodeType="tmRoot"/>
-      </p:par>
-    </p:tnLst>
-  </p:timing>
 </p:sld>
 </file>
 
@@ -11116,7 +11131,7 @@
           <a:p>
             <a:r>
               <a:rPr lang="en-US" dirty="0" smtClean="0"/>
-              <a:t>First methods</a:t>
+              <a:t>Introducing variables</a:t>
             </a:r>
             <a:endParaRPr lang="en-US" dirty="0"/>
           </a:p>
@@ -11129,23 +11144,70 @@
             <a:spLocks noGrp="1"/>
           </p:cNvSpPr>
           <p:nvPr>
-            <p:ph idx="1"/>
+            <p:ph sz="half" idx="1"/>
           </p:nvPr>
         </p:nvSpPr>
         <p:spPr/>
         <p:txBody>
-          <a:bodyPr>
-            <a:normAutofit fontScale="92500" lnSpcReduction="20000"/>
-          </a:bodyPr>
-          <a:lstStyle/>
-          <a:p>
-            <a:r>
-              <a:rPr lang="en-US" dirty="0" smtClean="0"/>
-              <a:t>The first methods I would like you to use within your first script are (add them between the comments in the template)</a:t>
-            </a:r>
-          </a:p>
-          <a:p>
-            <a:pPr marL="228600" lvl="1" indent="0">
+          <a:bodyPr/>
+          <a:lstStyle/>
+          <a:p>
+            <a:r>
+              <a:rPr lang="en-US" dirty="0" smtClean="0"/>
+              <a:t>The parameters which we used for the methods can be updated but if you have repeated them in a number of methods it could a while to fix</a:t>
+            </a:r>
+          </a:p>
+          <a:p>
+            <a:r>
+              <a:rPr lang="en-US" dirty="0" smtClean="0"/>
+              <a:t>Introduce variables as a way to pass a parameter into the method</a:t>
+            </a:r>
+            <a:endParaRPr lang="en-US" dirty="0"/>
+          </a:p>
+        </p:txBody>
+      </p:sp>
+      <p:sp>
+        <p:nvSpPr>
+          <p:cNvPr id="4" name="Content Placeholder 3"/>
+          <p:cNvSpPr>
+            <a:spLocks noGrp="1"/>
+          </p:cNvSpPr>
+          <p:nvPr>
+            <p:ph sz="half" idx="2"/>
+          </p:nvPr>
+        </p:nvSpPr>
+        <p:spPr/>
+        <p:txBody>
+          <a:bodyPr/>
+          <a:lstStyle/>
+          <a:p>
+            <a:pPr marL="0" indent="0">
+              <a:buNone/>
+            </a:pPr>
+            <a:r>
+              <a:rPr lang="en-US" dirty="0"/>
+              <a:t>d</a:t>
+            </a:r>
+            <a:r>
+              <a:rPr lang="en-US" dirty="0" smtClean="0"/>
+              <a:t>istance = 100</a:t>
+            </a:r>
+          </a:p>
+          <a:p>
+            <a:pPr marL="0" indent="0">
+              <a:buNone/>
+            </a:pPr>
+            <a:r>
+              <a:rPr lang="en-US" dirty="0"/>
+              <a:t>a</a:t>
+            </a:r>
+            <a:r>
+              <a:rPr lang="en-US" dirty="0" smtClean="0"/>
+              <a:t>ngle = 120</a:t>
+            </a:r>
+          </a:p>
+          <a:p>
+            <a:pPr marL="0" indent="0">
               <a:buNone/>
             </a:pPr>
             <a:r>
@@ -11154,58 +11216,69 @@
             </a:r>
             <a:r>
               <a:rPr lang="en-US" dirty="0" smtClean="0"/>
-              <a:t>orward()</a:t>
-            </a:r>
-          </a:p>
-          <a:p>
-            <a:pPr marL="228600" lvl="1" indent="0">
+              <a:t>orward(distance)</a:t>
+            </a:r>
+          </a:p>
+          <a:p>
+            <a:pPr marL="0" indent="0">
               <a:buNone/>
             </a:pPr>
             <a:r>
-              <a:rPr lang="en-US" dirty="0" smtClean="0"/>
-              <a:t>right()</a:t>
-            </a:r>
-          </a:p>
-          <a:p>
-            <a:pPr marL="228600" lvl="1" indent="0">
+              <a:rPr lang="en-US" dirty="0"/>
+              <a:t>r</a:t>
+            </a:r>
+            <a:r>
+              <a:rPr lang="en-US" dirty="0" smtClean="0"/>
+              <a:t>ight(angle)</a:t>
+            </a:r>
+          </a:p>
+          <a:p>
+            <a:pPr marL="0" indent="0">
               <a:buNone/>
             </a:pPr>
             <a:r>
-              <a:rPr lang="en-US" dirty="0" smtClean="0"/>
-              <a:t>left()</a:t>
-            </a:r>
-          </a:p>
-          <a:p>
-            <a:pPr marL="228600" lvl="1" indent="0">
+              <a:rPr lang="en-US" dirty="0"/>
+              <a:t>forward(distance)</a:t>
+            </a:r>
+          </a:p>
+          <a:p>
+            <a:pPr marL="0" indent="0">
               <a:buNone/>
             </a:pPr>
             <a:r>
               <a:rPr lang="en-US" dirty="0"/>
-              <a:t>b</a:t>
-            </a:r>
-            <a:r>
-              <a:rPr lang="en-US" dirty="0" smtClean="0"/>
-              <a:t>ackward()</a:t>
-            </a:r>
-          </a:p>
-          <a:p>
-            <a:r>
-              <a:rPr lang="en-US" dirty="0" smtClean="0"/>
-              <a:t>These methods all take a single parameter which is either distance or an angle</a:t>
-            </a:r>
-          </a:p>
-          <a:p>
-            <a:r>
-              <a:rPr lang="en-US" dirty="0" smtClean="0"/>
-              <a:t>Can you build a triangle?</a:t>
-            </a:r>
+              <a:t>right(angle)</a:t>
+            </a:r>
+          </a:p>
+          <a:p>
+            <a:pPr marL="0" indent="0">
+              <a:buNone/>
+            </a:pPr>
+            <a:r>
+              <a:rPr lang="en-US" dirty="0"/>
+              <a:t>forward(distance)</a:t>
+            </a:r>
+          </a:p>
+          <a:p>
+            <a:pPr marL="0" indent="0">
+              <a:buNone/>
+            </a:pPr>
+            <a:r>
+              <a:rPr lang="en-US" dirty="0"/>
+              <a:t>right(angle</a:t>
+            </a:r>
+            <a:r>
+              <a:rPr lang="en-US" dirty="0" smtClean="0"/>
+              <a:t>)</a:t>
+            </a:r>
+            <a:endParaRPr lang="en-US" dirty="0"/>
           </a:p>
         </p:txBody>
       </p:sp>
     </p:spTree>
     <p:extLst>
       <p:ext uri="{BB962C8B-B14F-4D97-AF65-F5344CB8AC3E}">
-        <p14:creationId xmlns:p14="http://schemas.microsoft.com/office/powerpoint/2010/main" val="3593726300"/>
+        <p14:creationId xmlns:p14="http://schemas.microsoft.com/office/powerpoint/2010/main" val="2790895770"/>
       </p:ext>
     </p:extLst>
   </p:cSld>
@@ -11249,7 +11322,7 @@
           <a:p>
             <a:r>
               <a:rPr lang="en-US" dirty="0" smtClean="0"/>
-              <a:t>Introducing variables</a:t>
+              <a:t>Understanding Loops</a:t>
             </a:r>
             <a:endParaRPr lang="en-US" dirty="0"/>
           </a:p>
@@ -11262,7 +11335,7 @@
             <a:spLocks noGrp="1"/>
           </p:cNvSpPr>
           <p:nvPr>
-            <p:ph sz="half" idx="1"/>
+            <p:ph idx="1"/>
           </p:nvPr>
         </p:nvSpPr>
         <p:spPr/>
@@ -11272,123 +11345,22 @@
           <a:p>
             <a:r>
               <a:rPr lang="en-US" dirty="0" smtClean="0"/>
-              <a:t>The parameters which we used for the methods can be updated but if you have repeated them in a number of methods it could a while to fix</a:t>
-            </a:r>
-          </a:p>
-          <a:p>
-            <a:r>
-              <a:rPr lang="en-US" dirty="0" smtClean="0"/>
-              <a:t>Introduce variables as a way to pass a parameter into the method</a:t>
-            </a:r>
-            <a:endParaRPr lang="en-US" dirty="0"/>
-          </a:p>
-        </p:txBody>
-      </p:sp>
-      <p:sp>
-        <p:nvSpPr>
-          <p:cNvPr id="4" name="Content Placeholder 3"/>
-          <p:cNvSpPr>
-            <a:spLocks noGrp="1"/>
-          </p:cNvSpPr>
-          <p:nvPr>
-            <p:ph sz="half" idx="2"/>
-          </p:nvPr>
-        </p:nvSpPr>
-        <p:spPr/>
-        <p:txBody>
-          <a:bodyPr/>
-          <a:lstStyle/>
-          <a:p>
-            <a:pPr marL="0" indent="0">
-              <a:buNone/>
-            </a:pPr>
-            <a:r>
-              <a:rPr lang="en-US" dirty="0"/>
-              <a:t>d</a:t>
-            </a:r>
-            <a:r>
-              <a:rPr lang="en-US" dirty="0" smtClean="0"/>
-              <a:t>istance = 100</a:t>
-            </a:r>
-          </a:p>
-          <a:p>
-            <a:pPr marL="0" indent="0">
-              <a:buNone/>
-            </a:pPr>
-            <a:r>
-              <a:rPr lang="en-US" dirty="0"/>
-              <a:t>a</a:t>
-            </a:r>
-            <a:r>
-              <a:rPr lang="en-US" dirty="0" smtClean="0"/>
-              <a:t>ngle = 120</a:t>
-            </a:r>
-          </a:p>
-          <a:p>
-            <a:pPr marL="0" indent="0">
-              <a:buNone/>
-            </a:pPr>
-            <a:r>
-              <a:rPr lang="en-US" dirty="0"/>
-              <a:t>f</a:t>
-            </a:r>
-            <a:r>
-              <a:rPr lang="en-US" dirty="0" smtClean="0"/>
-              <a:t>orward(distance)</a:t>
-            </a:r>
-          </a:p>
-          <a:p>
-            <a:pPr marL="0" indent="0">
-              <a:buNone/>
-            </a:pPr>
-            <a:r>
-              <a:rPr lang="en-US" dirty="0"/>
-              <a:t>r</a:t>
-            </a:r>
-            <a:r>
-              <a:rPr lang="en-US" dirty="0" smtClean="0"/>
-              <a:t>ight(angle)</a:t>
-            </a:r>
-          </a:p>
-          <a:p>
-            <a:pPr marL="0" indent="0">
-              <a:buNone/>
-            </a:pPr>
-            <a:r>
-              <a:rPr lang="en-US" dirty="0"/>
-              <a:t>forward(distance)</a:t>
-            </a:r>
-          </a:p>
-          <a:p>
-            <a:pPr marL="0" indent="0">
-              <a:buNone/>
-            </a:pPr>
-            <a:r>
-              <a:rPr lang="en-US" dirty="0"/>
-              <a:t>right(angle)</a:t>
-            </a:r>
-          </a:p>
-          <a:p>
-            <a:pPr marL="0" indent="0">
-              <a:buNone/>
-            </a:pPr>
-            <a:r>
-              <a:rPr lang="en-US" dirty="0"/>
-              <a:t>forward(distance)</a:t>
-            </a:r>
-          </a:p>
-          <a:p>
-            <a:pPr marL="0" indent="0">
-              <a:buNone/>
-            </a:pPr>
-            <a:r>
-              <a:rPr lang="en-US" dirty="0"/>
-              <a:t>right(angle</a:t>
-            </a:r>
-            <a:r>
-              <a:rPr lang="en-US" dirty="0" smtClean="0"/>
-              <a:t>)</a:t>
-            </a:r>
+              <a:t>So far we have used simple methods to create a shape</a:t>
+            </a:r>
+          </a:p>
+          <a:p>
+            <a:r>
+              <a:rPr lang="en-US" dirty="0" smtClean="0"/>
+              <a:t>You might have noticed that you were repeating methods when creating your shape</a:t>
+            </a:r>
+          </a:p>
+          <a:p>
+            <a:r>
+              <a:rPr lang="en-US" dirty="0" smtClean="0"/>
+              <a:t>In a class situation this would be a perfect time to introduce a for or while loop</a:t>
+            </a:r>
+          </a:p>
+          <a:p>
             <a:endParaRPr lang="en-US" dirty="0"/>
           </a:p>
         </p:txBody>
@@ -11396,7 +11368,7 @@
     </p:spTree>
     <p:extLst>
       <p:ext uri="{BB962C8B-B14F-4D97-AF65-F5344CB8AC3E}">
-        <p14:creationId xmlns:p14="http://schemas.microsoft.com/office/powerpoint/2010/main" val="2790895770"/>
+        <p14:creationId xmlns:p14="http://schemas.microsoft.com/office/powerpoint/2010/main" val="3866937145"/>
       </p:ext>
     </p:extLst>
   </p:cSld>
@@ -11440,7 +11412,7 @@
           <a:p>
             <a:r>
               <a:rPr lang="en-US" dirty="0" smtClean="0"/>
-              <a:t>Understanding Loops</a:t>
+              <a:t>Next exercise</a:t>
             </a:r>
             <a:endParaRPr lang="en-US" dirty="0"/>
           </a:p>
@@ -11453,7 +11425,7 @@
             <a:spLocks noGrp="1"/>
           </p:cNvSpPr>
           <p:nvPr>
-            <p:ph idx="1"/>
+            <p:ph sz="half" idx="1"/>
           </p:nvPr>
         </p:nvSpPr>
         <p:spPr/>
@@ -11463,22 +11435,110 @@
           <a:p>
             <a:r>
               <a:rPr lang="en-US" dirty="0" smtClean="0"/>
-              <a:t>So far we have used simple methods to create a shape</a:t>
-            </a:r>
-          </a:p>
-          <a:p>
-            <a:r>
-              <a:rPr lang="en-US" dirty="0" smtClean="0"/>
-              <a:t>You might have noticed that you were repeating methods when creating your shape</a:t>
-            </a:r>
-          </a:p>
-          <a:p>
-            <a:r>
-              <a:rPr lang="en-US" dirty="0" smtClean="0"/>
-              <a:t>In a class situation this would be a perfect time to introduce a for or while loop</a:t>
-            </a:r>
-          </a:p>
-          <a:p>
+              <a:t>Can you use a for loop to build a simple shape?</a:t>
+            </a:r>
+          </a:p>
+          <a:p>
+            <a:r>
+              <a:rPr lang="en-US" dirty="0" smtClean="0"/>
+              <a:t>Some additional methods which could be used for interesting effects</a:t>
+            </a:r>
+          </a:p>
+          <a:p>
+            <a:pPr marL="228600" lvl="1" indent="0">
+              <a:buNone/>
+            </a:pPr>
+            <a:r>
+              <a:rPr lang="en-US" dirty="0" err="1"/>
+              <a:t>p</a:t>
+            </a:r>
+            <a:r>
+              <a:rPr lang="en-US" dirty="0" err="1" smtClean="0"/>
+              <a:t>enup</a:t>
+            </a:r>
+            <a:r>
+              <a:rPr lang="en-US" dirty="0" smtClean="0"/>
+              <a:t>()</a:t>
+            </a:r>
+          </a:p>
+          <a:p>
+            <a:pPr marL="228600" lvl="1" indent="0">
+              <a:buNone/>
+            </a:pPr>
+            <a:r>
+              <a:rPr lang="en-US" dirty="0" err="1"/>
+              <a:t>p</a:t>
+            </a:r>
+            <a:r>
+              <a:rPr lang="en-US" dirty="0" err="1" smtClean="0"/>
+              <a:t>endown</a:t>
+            </a:r>
+            <a:r>
+              <a:rPr lang="en-US" dirty="0" smtClean="0"/>
+              <a:t>()</a:t>
+            </a:r>
+          </a:p>
+          <a:p>
+            <a:r>
+              <a:rPr lang="en-US" dirty="0" smtClean="0"/>
+              <a:t>Here is my suggestion:</a:t>
+            </a:r>
+          </a:p>
+        </p:txBody>
+      </p:sp>
+      <p:sp>
+        <p:nvSpPr>
+          <p:cNvPr id="4" name="Content Placeholder 3"/>
+          <p:cNvSpPr>
+            <a:spLocks noGrp="1"/>
+          </p:cNvSpPr>
+          <p:nvPr>
+            <p:ph sz="half" idx="2"/>
+          </p:nvPr>
+        </p:nvSpPr>
+        <p:spPr/>
+        <p:txBody>
+          <a:bodyPr/>
+          <a:lstStyle/>
+          <a:p>
+            <a:pPr marL="0" indent="0">
+              <a:buNone/>
+            </a:pPr>
+            <a:r>
+              <a:rPr lang="en-US" dirty="0"/>
+              <a:t>for </a:t>
+            </a:r>
+            <a:r>
+              <a:rPr lang="en-US" dirty="0" err="1"/>
+              <a:t>i</a:t>
+            </a:r>
+            <a:r>
+              <a:rPr lang="en-US" dirty="0"/>
+              <a:t> in range(72):</a:t>
+            </a:r>
+          </a:p>
+          <a:p>
+            <a:pPr marL="0" indent="0">
+              <a:buNone/>
+            </a:pPr>
+            <a:r>
+              <a:rPr lang="en-US" dirty="0"/>
+              <a:t>	forward(100)</a:t>
+            </a:r>
+          </a:p>
+          <a:p>
+            <a:pPr marL="0" indent="0">
+              <a:buNone/>
+            </a:pPr>
+            <a:r>
+              <a:rPr lang="en-US" dirty="0"/>
+              <a:t>	right(85)</a:t>
+            </a:r>
+          </a:p>
+          <a:p>
+            <a:pPr marL="0" indent="0">
+              <a:buNone/>
+            </a:pPr>
             <a:endParaRPr lang="en-US" dirty="0"/>
           </a:p>
         </p:txBody>
@@ -11486,7 +11546,7 @@
     </p:spTree>
     <p:extLst>
       <p:ext uri="{BB962C8B-B14F-4D97-AF65-F5344CB8AC3E}">
-        <p14:creationId xmlns:p14="http://schemas.microsoft.com/office/powerpoint/2010/main" val="3866937145"/>
+        <p14:creationId xmlns:p14="http://schemas.microsoft.com/office/powerpoint/2010/main" val="3117590917"/>
       </p:ext>
     </p:extLst>
   </p:cSld>
@@ -11549,7 +11609,7 @@
         <p:spPr/>
         <p:txBody>
           <a:bodyPr>
-            <a:normAutofit lnSpcReduction="10000"/>
+            <a:normAutofit/>
           </a:bodyPr>
           <a:lstStyle/>
           <a:p>
@@ -11579,24 +11639,6 @@
             <a:r>
               <a:rPr lang="en-US" dirty="0" smtClean="0">
                 <a:hlinkClick r:id="rId2"/>
-              </a:rPr>
-              <a:t>http://briansharland.com</a:t>
-            </a:r>
-            <a:endParaRPr lang="en-US" dirty="0" smtClean="0"/>
-          </a:p>
-          <a:p>
-            <a:r>
-              <a:rPr lang="en-US" dirty="0" smtClean="0">
-                <a:hlinkClick r:id="rId3"/>
-              </a:rPr>
-              <a:t>http://ikhowudi.com</a:t>
-            </a:r>
-            <a:endParaRPr lang="en-US" dirty="0" smtClean="0"/>
-          </a:p>
-          <a:p>
-            <a:r>
-              <a:rPr lang="en-US" dirty="0" smtClean="0">
-                <a:hlinkClick r:id="rId4"/>
               </a:rPr>
               <a:t>http://github.com/sharland</a:t>
             </a:r>
@@ -11655,7 +11697,11 @@
           <a:p>
             <a:r>
               <a:rPr lang="en-US" dirty="0" smtClean="0"/>
-              <a:t>Next exercise</a:t>
+              <a:t>Working with </a:t>
+            </a:r>
+            <a:r>
+              <a:rPr lang="en-US" dirty="0" err="1" smtClean="0"/>
+              <a:t>colour</a:t>
             </a:r>
             <a:endParaRPr lang="en-US" dirty="0"/>
           </a:p>
@@ -11663,7 +11709,7 @@
       </p:sp>
       <p:sp>
         <p:nvSpPr>
-          <p:cNvPr id="3" name="Content Placeholder 2"/>
+          <p:cNvPr id="4" name="Content Placeholder 3"/>
           <p:cNvSpPr>
             <a:spLocks noGrp="1"/>
           </p:cNvSpPr>
@@ -11673,22 +11719,161 @@
         </p:nvSpPr>
         <p:spPr/>
         <p:txBody>
-          <a:bodyPr/>
-          <a:lstStyle/>
-          <a:p>
-            <a:r>
-              <a:rPr lang="en-US" dirty="0" smtClean="0"/>
-              <a:t>Can you use a for loop to build a simple shape?</a:t>
-            </a:r>
-          </a:p>
-          <a:p>
-            <a:r>
-              <a:rPr lang="en-US" dirty="0" smtClean="0"/>
-              <a:t>Some additional methods which could be used for interesting effects</a:t>
-            </a:r>
-          </a:p>
-          <a:p>
-            <a:pPr marL="228600" lvl="1" indent="0">
+          <a:bodyPr>
+            <a:normAutofit fontScale="85000" lnSpcReduction="20000"/>
+          </a:bodyPr>
+          <a:lstStyle/>
+          <a:p>
+            <a:r>
+              <a:rPr lang="en-US" dirty="0" smtClean="0"/>
+              <a:t>Up until now you have been working with black lines</a:t>
+            </a:r>
+          </a:p>
+          <a:p>
+            <a:r>
+              <a:rPr lang="en-US" dirty="0" smtClean="0"/>
+              <a:t>Let’s introduce some </a:t>
+            </a:r>
+            <a:r>
+              <a:rPr lang="en-US" dirty="0" err="1" smtClean="0"/>
+              <a:t>colour</a:t>
+            </a:r>
+            <a:endParaRPr lang="en-US" dirty="0" smtClean="0"/>
+          </a:p>
+          <a:p>
+            <a:r>
+              <a:rPr lang="en-US" dirty="0" err="1"/>
+              <a:t>c</a:t>
+            </a:r>
+            <a:r>
+              <a:rPr lang="en-US" dirty="0" err="1" smtClean="0"/>
+              <a:t>olormode</a:t>
+            </a:r>
+            <a:r>
+              <a:rPr lang="en-US" dirty="0" smtClean="0"/>
+              <a:t>(255) should have been set – this allows you to use RGB </a:t>
+            </a:r>
+            <a:r>
+              <a:rPr lang="en-US" dirty="0" err="1" smtClean="0"/>
+              <a:t>colour</a:t>
+            </a:r>
+            <a:r>
+              <a:rPr lang="en-US" dirty="0" smtClean="0"/>
+              <a:t> valuables</a:t>
+            </a:r>
+          </a:p>
+          <a:p>
+            <a:r>
+              <a:rPr lang="en-US" dirty="0" smtClean="0"/>
+              <a:t>Define these as variables at the beginning of the script which will give you greater control</a:t>
+            </a:r>
+          </a:p>
+          <a:p>
+            <a:r>
+              <a:rPr lang="en-US" dirty="0" smtClean="0"/>
+              <a:t>Try the script on the right</a:t>
+            </a:r>
+            <a:endParaRPr lang="en-US" dirty="0"/>
+          </a:p>
+        </p:txBody>
+      </p:sp>
+      <p:sp>
+        <p:nvSpPr>
+          <p:cNvPr id="5" name="Content Placeholder 4"/>
+          <p:cNvSpPr>
+            <a:spLocks noGrp="1"/>
+          </p:cNvSpPr>
+          <p:nvPr>
+            <p:ph sz="half" idx="2"/>
+          </p:nvPr>
+        </p:nvSpPr>
+        <p:spPr/>
+        <p:txBody>
+          <a:bodyPr>
+            <a:normAutofit/>
+          </a:bodyPr>
+          <a:lstStyle/>
+          <a:p>
+            <a:pPr marL="0" indent="0">
+              <a:buNone/>
+            </a:pPr>
+            <a:r>
+              <a:rPr lang="en-US" dirty="0" smtClean="0"/>
+              <a:t>r = </a:t>
+            </a:r>
+            <a:r>
+              <a:rPr lang="en-US" dirty="0" err="1" smtClean="0"/>
+              <a:t>int</a:t>
+            </a:r>
+            <a:r>
+              <a:rPr lang="en-US" dirty="0" smtClean="0"/>
+              <a:t>(input(“Enter red value 0 – 255:”))</a:t>
+            </a:r>
+          </a:p>
+          <a:p>
+            <a:pPr marL="0" indent="0">
+              <a:buNone/>
+            </a:pPr>
+            <a:r>
+              <a:rPr lang="en-US" dirty="0" smtClean="0"/>
+              <a:t>g = </a:t>
+            </a:r>
+            <a:r>
+              <a:rPr lang="en-US" dirty="0" err="1"/>
+              <a:t>int</a:t>
+            </a:r>
+            <a:r>
+              <a:rPr lang="en-US" dirty="0"/>
+              <a:t>(input(“Enter </a:t>
+            </a:r>
+            <a:r>
+              <a:rPr lang="en-US" dirty="0" smtClean="0"/>
+              <a:t>green </a:t>
+            </a:r>
+            <a:r>
+              <a:rPr lang="en-US" dirty="0"/>
+              <a:t>value 0 – 255:”)</a:t>
+            </a:r>
+            <a:r>
+              <a:rPr lang="en-US" dirty="0" smtClean="0"/>
+              <a:t>)</a:t>
+            </a:r>
+          </a:p>
+          <a:p>
+            <a:pPr marL="0" indent="0">
+              <a:buNone/>
+            </a:pPr>
+            <a:r>
+              <a:rPr lang="en-US" dirty="0"/>
+              <a:t>b</a:t>
+            </a:r>
+            <a:r>
+              <a:rPr lang="en-US" dirty="0" smtClean="0"/>
+              <a:t> = </a:t>
+            </a:r>
+            <a:r>
+              <a:rPr lang="en-US" dirty="0" err="1"/>
+              <a:t>int</a:t>
+            </a:r>
+            <a:r>
+              <a:rPr lang="en-US" dirty="0"/>
+              <a:t>(input(“Enter </a:t>
+            </a:r>
+            <a:r>
+              <a:rPr lang="en-US" dirty="0" smtClean="0"/>
+              <a:t>blue </a:t>
+            </a:r>
+            <a:r>
+              <a:rPr lang="en-US" dirty="0"/>
+              <a:t>value 0 – 255:”)</a:t>
+            </a:r>
+            <a:r>
+              <a:rPr lang="en-US" dirty="0" smtClean="0"/>
+              <a:t>)</a:t>
+            </a:r>
+          </a:p>
+          <a:p>
+            <a:pPr marL="0" indent="0">
               <a:buNone/>
             </a:pPr>
             <a:r>
@@ -11697,91 +11882,63 @@
             </a:r>
             <a:r>
               <a:rPr lang="en-US" dirty="0" err="1" smtClean="0"/>
-              <a:t>enup</a:t>
-            </a:r>
-            <a:r>
-              <a:rPr lang="en-US" dirty="0" smtClean="0"/>
-              <a:t>()</a:t>
-            </a:r>
-          </a:p>
-          <a:p>
-            <a:pPr marL="228600" lvl="1" indent="0">
+              <a:t>encolor</a:t>
+            </a:r>
+            <a:r>
+              <a:rPr lang="en-US" dirty="0" smtClean="0"/>
+              <a:t>(</a:t>
+            </a:r>
+            <a:r>
+              <a:rPr lang="en-US" dirty="0" err="1" smtClean="0"/>
+              <a:t>r,g,b</a:t>
+            </a:r>
+            <a:r>
+              <a:rPr lang="en-US" dirty="0" smtClean="0"/>
+              <a:t>)</a:t>
+            </a:r>
+          </a:p>
+          <a:p>
+            <a:pPr marL="0" indent="0">
               <a:buNone/>
             </a:pPr>
             <a:r>
-              <a:rPr lang="en-US" dirty="0" err="1"/>
-              <a:t>p</a:t>
+              <a:rPr lang="en-US" dirty="0" smtClean="0"/>
+              <a:t>for </a:t>
             </a:r>
             <a:r>
               <a:rPr lang="en-US" dirty="0" err="1" smtClean="0"/>
-              <a:t>endown</a:t>
-            </a:r>
-            <a:r>
-              <a:rPr lang="en-US" dirty="0" smtClean="0"/>
-              <a:t>()</a:t>
-            </a:r>
-          </a:p>
-          <a:p>
-            <a:r>
-              <a:rPr lang="en-US" dirty="0" smtClean="0"/>
-              <a:t>Here is my suggestion:</a:t>
-            </a:r>
-          </a:p>
-        </p:txBody>
-      </p:sp>
-      <p:sp>
-        <p:nvSpPr>
-          <p:cNvPr id="4" name="Content Placeholder 3"/>
-          <p:cNvSpPr>
-            <a:spLocks noGrp="1"/>
-          </p:cNvSpPr>
-          <p:nvPr>
-            <p:ph sz="half" idx="2"/>
-          </p:nvPr>
-        </p:nvSpPr>
-        <p:spPr/>
-        <p:txBody>
-          <a:bodyPr/>
-          <a:lstStyle/>
+              <a:t>i</a:t>
+            </a:r>
+            <a:r>
+              <a:rPr lang="en-US" dirty="0" smtClean="0"/>
+              <a:t> in range (72):</a:t>
+            </a:r>
+          </a:p>
           <a:p>
             <a:pPr marL="0" indent="0">
               <a:buNone/>
             </a:pPr>
             <a:r>
               <a:rPr lang="en-US" dirty="0"/>
-              <a:t>for </a:t>
-            </a:r>
-            <a:r>
-              <a:rPr lang="en-US" dirty="0" err="1"/>
-              <a:t>i</a:t>
-            </a:r>
+              <a:t>	</a:t>
+            </a:r>
+            <a:r>
+              <a:rPr lang="en-US" dirty="0" smtClean="0"/>
+              <a:t>forward(100)</a:t>
+            </a:r>
+          </a:p>
+          <a:p>
+            <a:pPr marL="0" indent="0">
+              <a:buNone/>
+            </a:pPr>
             <a:r>
               <a:rPr lang="en-US" dirty="0"/>
-              <a:t> in range(72):</a:t>
-            </a:r>
-          </a:p>
-          <a:p>
-            <a:pPr marL="0" indent="0">
-              <a:buNone/>
-            </a:pPr>
-            <a:r>
-              <a:rPr lang="en-US" dirty="0"/>
-              <a:t>	forward(100)</a:t>
-            </a:r>
-          </a:p>
-          <a:p>
-            <a:pPr marL="0" indent="0">
-              <a:buNone/>
-            </a:pPr>
-            <a:r>
-              <a:rPr lang="en-US" dirty="0"/>
-              <a:t>	right(85)</a:t>
-            </a:r>
-          </a:p>
-          <a:p>
-            <a:pPr marL="0" indent="0">
-              <a:buNone/>
-            </a:pPr>
+              <a:t>	</a:t>
+            </a:r>
+            <a:r>
+              <a:rPr lang="en-US" dirty="0" smtClean="0"/>
+              <a:t>right(75)</a:t>
+            </a:r>
             <a:endParaRPr lang="en-US" dirty="0"/>
           </a:p>
         </p:txBody>
@@ -11789,7 +11946,7 @@
     </p:spTree>
     <p:extLst>
       <p:ext uri="{BB962C8B-B14F-4D97-AF65-F5344CB8AC3E}">
-        <p14:creationId xmlns:p14="http://schemas.microsoft.com/office/powerpoint/2010/main" val="3117590917"/>
+        <p14:creationId xmlns:p14="http://schemas.microsoft.com/office/powerpoint/2010/main" val="1264317665"/>
       </p:ext>
     </p:extLst>
   </p:cSld>
@@ -11833,299 +11990,6 @@
           <a:p>
             <a:r>
               <a:rPr lang="en-US" dirty="0" smtClean="0"/>
-              <a:t>Working with </a:t>
-            </a:r>
-            <a:r>
-              <a:rPr lang="en-US" dirty="0" err="1" smtClean="0"/>
-              <a:t>colour</a:t>
-            </a:r>
-            <a:endParaRPr lang="en-US" dirty="0"/>
-          </a:p>
-        </p:txBody>
-      </p:sp>
-      <p:sp>
-        <p:nvSpPr>
-          <p:cNvPr id="4" name="Content Placeholder 3"/>
-          <p:cNvSpPr>
-            <a:spLocks noGrp="1"/>
-          </p:cNvSpPr>
-          <p:nvPr>
-            <p:ph sz="half" idx="1"/>
-          </p:nvPr>
-        </p:nvSpPr>
-        <p:spPr/>
-        <p:txBody>
-          <a:bodyPr>
-            <a:normAutofit fontScale="85000" lnSpcReduction="20000"/>
-          </a:bodyPr>
-          <a:lstStyle/>
-          <a:p>
-            <a:r>
-              <a:rPr lang="en-US" dirty="0" smtClean="0"/>
-              <a:t>Up until now you have been working with black lines</a:t>
-            </a:r>
-          </a:p>
-          <a:p>
-            <a:r>
-              <a:rPr lang="en-US" dirty="0" smtClean="0"/>
-              <a:t>Let’s introduce some </a:t>
-            </a:r>
-            <a:r>
-              <a:rPr lang="en-US" dirty="0" err="1" smtClean="0"/>
-              <a:t>colour</a:t>
-            </a:r>
-            <a:endParaRPr lang="en-US" dirty="0" smtClean="0"/>
-          </a:p>
-          <a:p>
-            <a:r>
-              <a:rPr lang="en-US" dirty="0" err="1"/>
-              <a:t>c</a:t>
-            </a:r>
-            <a:r>
-              <a:rPr lang="en-US" dirty="0" err="1" smtClean="0"/>
-              <a:t>olormode</a:t>
-            </a:r>
-            <a:r>
-              <a:rPr lang="en-US" dirty="0" smtClean="0"/>
-              <a:t>(255) should have been set – this allows you to use RGB </a:t>
-            </a:r>
-            <a:r>
-              <a:rPr lang="en-US" dirty="0" err="1" smtClean="0"/>
-              <a:t>colour</a:t>
-            </a:r>
-            <a:r>
-              <a:rPr lang="en-US" dirty="0" smtClean="0"/>
-              <a:t> valuables</a:t>
-            </a:r>
-          </a:p>
-          <a:p>
-            <a:r>
-              <a:rPr lang="en-US" dirty="0" smtClean="0"/>
-              <a:t>Define these as variables at the beginning of the script which will give you greater control</a:t>
-            </a:r>
-          </a:p>
-          <a:p>
-            <a:r>
-              <a:rPr lang="en-US" dirty="0" smtClean="0"/>
-              <a:t>Try the script on the right</a:t>
-            </a:r>
-            <a:endParaRPr lang="en-US" dirty="0"/>
-          </a:p>
-        </p:txBody>
-      </p:sp>
-      <p:sp>
-        <p:nvSpPr>
-          <p:cNvPr id="5" name="Content Placeholder 4"/>
-          <p:cNvSpPr>
-            <a:spLocks noGrp="1"/>
-          </p:cNvSpPr>
-          <p:nvPr>
-            <p:ph sz="half" idx="2"/>
-          </p:nvPr>
-        </p:nvSpPr>
-        <p:spPr/>
-        <p:txBody>
-          <a:bodyPr>
-            <a:normAutofit/>
-          </a:bodyPr>
-          <a:lstStyle/>
-          <a:p>
-            <a:pPr marL="0" indent="0">
-              <a:buNone/>
-            </a:pPr>
-            <a:r>
-              <a:rPr lang="en-US" dirty="0" smtClean="0"/>
-              <a:t>r = </a:t>
-            </a:r>
-            <a:r>
-              <a:rPr lang="en-US" dirty="0" err="1" smtClean="0"/>
-              <a:t>int</a:t>
-            </a:r>
-            <a:r>
-              <a:rPr lang="en-US" dirty="0" smtClean="0"/>
-              <a:t>(input(“Enter red value 0 – 255:”))</a:t>
-            </a:r>
-          </a:p>
-          <a:p>
-            <a:pPr marL="0" indent="0">
-              <a:buNone/>
-            </a:pPr>
-            <a:r>
-              <a:rPr lang="en-US" dirty="0" smtClean="0"/>
-              <a:t>g = </a:t>
-            </a:r>
-            <a:r>
-              <a:rPr lang="en-US" dirty="0" err="1"/>
-              <a:t>int</a:t>
-            </a:r>
-            <a:r>
-              <a:rPr lang="en-US" dirty="0"/>
-              <a:t>(input(“Enter </a:t>
-            </a:r>
-            <a:r>
-              <a:rPr lang="en-US" dirty="0" smtClean="0"/>
-              <a:t>green </a:t>
-            </a:r>
-            <a:r>
-              <a:rPr lang="en-US" dirty="0"/>
-              <a:t>value 0 – 255:”)</a:t>
-            </a:r>
-            <a:r>
-              <a:rPr lang="en-US" dirty="0" smtClean="0"/>
-              <a:t>)</a:t>
-            </a:r>
-          </a:p>
-          <a:p>
-            <a:pPr marL="0" indent="0">
-              <a:buNone/>
-            </a:pPr>
-            <a:r>
-              <a:rPr lang="en-US" dirty="0"/>
-              <a:t>b</a:t>
-            </a:r>
-            <a:r>
-              <a:rPr lang="en-US" dirty="0" smtClean="0"/>
-              <a:t> = </a:t>
-            </a:r>
-            <a:r>
-              <a:rPr lang="en-US" dirty="0" err="1"/>
-              <a:t>int</a:t>
-            </a:r>
-            <a:r>
-              <a:rPr lang="en-US" dirty="0"/>
-              <a:t>(input(“Enter </a:t>
-            </a:r>
-            <a:r>
-              <a:rPr lang="en-US" dirty="0" smtClean="0"/>
-              <a:t>blue </a:t>
-            </a:r>
-            <a:r>
-              <a:rPr lang="en-US" dirty="0"/>
-              <a:t>value 0 – 255:”)</a:t>
-            </a:r>
-            <a:r>
-              <a:rPr lang="en-US" dirty="0" smtClean="0"/>
-              <a:t>)</a:t>
-            </a:r>
-          </a:p>
-          <a:p>
-            <a:pPr marL="0" indent="0">
-              <a:buNone/>
-            </a:pPr>
-            <a:r>
-              <a:rPr lang="en-US" dirty="0" err="1"/>
-              <a:t>p</a:t>
-            </a:r>
-            <a:r>
-              <a:rPr lang="en-US" dirty="0" err="1" smtClean="0"/>
-              <a:t>encolor</a:t>
-            </a:r>
-            <a:r>
-              <a:rPr lang="en-US" dirty="0" smtClean="0"/>
-              <a:t>(</a:t>
-            </a:r>
-            <a:r>
-              <a:rPr lang="en-US" dirty="0" err="1" smtClean="0"/>
-              <a:t>r,g,b</a:t>
-            </a:r>
-            <a:r>
-              <a:rPr lang="en-US" dirty="0" smtClean="0"/>
-              <a:t>)</a:t>
-            </a:r>
-          </a:p>
-          <a:p>
-            <a:pPr marL="0" indent="0">
-              <a:buNone/>
-            </a:pPr>
-            <a:r>
-              <a:rPr lang="en-US" dirty="0" smtClean="0"/>
-              <a:t>for </a:t>
-            </a:r>
-            <a:r>
-              <a:rPr lang="en-US" dirty="0" err="1" smtClean="0"/>
-              <a:t>i</a:t>
-            </a:r>
-            <a:r>
-              <a:rPr lang="en-US" dirty="0" smtClean="0"/>
-              <a:t> in range (72):</a:t>
-            </a:r>
-          </a:p>
-          <a:p>
-            <a:pPr marL="0" indent="0">
-              <a:buNone/>
-            </a:pPr>
-            <a:r>
-              <a:rPr lang="en-US" dirty="0"/>
-              <a:t>	</a:t>
-            </a:r>
-            <a:r>
-              <a:rPr lang="en-US" dirty="0" smtClean="0"/>
-              <a:t>forward(100)</a:t>
-            </a:r>
-          </a:p>
-          <a:p>
-            <a:pPr marL="0" indent="0">
-              <a:buNone/>
-            </a:pPr>
-            <a:r>
-              <a:rPr lang="en-US" dirty="0"/>
-              <a:t>	</a:t>
-            </a:r>
-            <a:r>
-              <a:rPr lang="en-US" dirty="0" smtClean="0"/>
-              <a:t>right(75)</a:t>
-            </a:r>
-            <a:endParaRPr lang="en-US" dirty="0"/>
-          </a:p>
-        </p:txBody>
-      </p:sp>
-    </p:spTree>
-    <p:extLst>
-      <p:ext uri="{BB962C8B-B14F-4D97-AF65-F5344CB8AC3E}">
-        <p14:creationId xmlns:p14="http://schemas.microsoft.com/office/powerpoint/2010/main" val="1264317665"/>
-      </p:ext>
-    </p:extLst>
-  </p:cSld>
-  <p:clrMapOvr>
-    <a:masterClrMapping/>
-  </p:clrMapOvr>
-</p:sld>
-</file>
-
-<file path=ppt/slides/slide22.xml><?xml version="1.0" encoding="utf-8"?>
-<p:sld xmlns:a="http://schemas.openxmlformats.org/drawingml/2006/main" xmlns:r="http://schemas.openxmlformats.org/officeDocument/2006/relationships" xmlns:p="http://schemas.openxmlformats.org/presentationml/2006/main">
-  <p:cSld>
-    <p:spTree>
-      <p:nvGrpSpPr>
-        <p:cNvPr id="1" name=""/>
-        <p:cNvGrpSpPr/>
-        <p:nvPr/>
-      </p:nvGrpSpPr>
-      <p:grpSpPr>
-        <a:xfrm>
-          <a:off x="0" y="0"/>
-          <a:ext cx="0" cy="0"/>
-          <a:chOff x="0" y="0"/>
-          <a:chExt cx="0" cy="0"/>
-        </a:xfrm>
-      </p:grpSpPr>
-      <p:sp>
-        <p:nvSpPr>
-          <p:cNvPr id="2" name="Title 1"/>
-          <p:cNvSpPr>
-            <a:spLocks noGrp="1"/>
-          </p:cNvSpPr>
-          <p:nvPr>
-            <p:ph type="title"/>
-          </p:nvPr>
-        </p:nvSpPr>
-        <p:spPr/>
-        <p:txBody>
-          <a:bodyPr/>
-          <a:lstStyle/>
-          <a:p>
-            <a:r>
-              <a:rPr lang="en-US" dirty="0" smtClean="0"/>
               <a:t>Working with additional modules</a:t>
             </a:r>
             <a:endParaRPr lang="en-US" dirty="0"/>
@@ -12368,7 +12232,7 @@
 </p:sld>
 </file>
 
-<file path=ppt/slides/slide23.xml><?xml version="1.0" encoding="utf-8"?>
+<file path=ppt/slides/slide22.xml><?xml version="1.0" encoding="utf-8"?>
 <p:sld xmlns:a="http://schemas.openxmlformats.org/drawingml/2006/main" xmlns:r="http://schemas.openxmlformats.org/officeDocument/2006/relationships" xmlns:p="http://schemas.openxmlformats.org/presentationml/2006/main">
   <p:cSld>
     <p:spTree>
@@ -12508,7 +12372,7 @@
 </p:sld>
 </file>
 
-<file path=ppt/slides/slide24.xml><?xml version="1.0" encoding="utf-8"?>
+<file path=ppt/slides/slide23.xml><?xml version="1.0" encoding="utf-8"?>
 <p:sld xmlns:a="http://schemas.openxmlformats.org/drawingml/2006/main" xmlns:r="http://schemas.openxmlformats.org/officeDocument/2006/relationships" xmlns:p="http://schemas.openxmlformats.org/presentationml/2006/main">
   <p:cSld>
     <p:spTree>
@@ -12932,7 +12796,7 @@
 </p:sld>
 </file>
 
-<file path=ppt/slides/slide25.xml><?xml version="1.0" encoding="utf-8"?>
+<file path=ppt/slides/slide24.xml><?xml version="1.0" encoding="utf-8"?>
 <p:sld xmlns:a="http://schemas.openxmlformats.org/drawingml/2006/main" xmlns:r="http://schemas.openxmlformats.org/officeDocument/2006/relationships" xmlns:p="http://schemas.openxmlformats.org/presentationml/2006/main">
   <p:cSld>
     <p:spTree>

--- a/turtle/Python and Turtle WOLP Jan 15.pptx
+++ b/turtle/Python and Turtle WOLP Jan 15.pptx
@@ -8384,17 +8384,19 @@
           </a:fontRef>
         </p:style>
         <p:txBody>
-          <a:bodyPr rtlCol="0" anchor="ctr"/>
+          <a:bodyPr rtlCol="0" anchor="ctr">
+            <a:normAutofit/>
+          </a:bodyPr>
           <a:lstStyle/>
           <a:p>
             <a:pPr algn="ctr"/>
             <a:r>
-              <a:rPr lang="en-US" sz="4800" b="1" dirty="0" smtClean="0">
+              <a:rPr lang="en-US" sz="2800" b="1" dirty="0" smtClean="0">
                 <a:solidFill>
                   <a:schemeClr val="bg1"/>
                 </a:solidFill>
-                <a:latin typeface="Futura Condensed"/>
-                <a:cs typeface="Futura Condensed"/>
+                <a:latin typeface="Helvetica"/>
+                <a:cs typeface="Helvetica"/>
               </a:rPr>
               <a:t>PYTHON</a:t>
             </a:r>
@@ -8402,58 +8404,58 @@
           <a:p>
             <a:pPr algn="ctr"/>
             <a:r>
-              <a:rPr lang="en-US" sz="5400" b="1" dirty="0" smtClean="0">
+              <a:rPr lang="en-US" sz="2800" b="1" dirty="0" smtClean="0">
                 <a:solidFill>
                   <a:schemeClr val="bg1"/>
                 </a:solidFill>
-                <a:latin typeface="Futura Condensed"/>
-                <a:cs typeface="Futura Condensed"/>
+                <a:latin typeface="Helvetica"/>
+                <a:cs typeface="Helvetica"/>
               </a:rPr>
               <a:t>TURTLE</a:t>
             </a:r>
           </a:p>
           <a:p>
             <a:pPr algn="ctr"/>
-            <a:endParaRPr lang="en-US" sz="3200" b="1" dirty="0">
+            <a:endParaRPr lang="en-US" sz="2800" b="1" dirty="0">
               <a:solidFill>
                 <a:schemeClr val="bg1"/>
               </a:solidFill>
-              <a:latin typeface="Futura Condensed"/>
-              <a:cs typeface="Futura Condensed"/>
+              <a:latin typeface="Helvetica"/>
+              <a:cs typeface="Helvetica"/>
             </a:endParaRPr>
           </a:p>
           <a:p>
             <a:pPr algn="ctr"/>
             <a:r>
-              <a:rPr lang="en-US" sz="3200" b="1" dirty="0" smtClean="0">
+              <a:rPr lang="en-US" sz="2800" b="1" dirty="0" smtClean="0">
                 <a:solidFill>
                   <a:schemeClr val="bg1"/>
                 </a:solidFill>
-                <a:latin typeface="Futura Condensed"/>
-                <a:cs typeface="Futura Condensed"/>
+                <a:latin typeface="Helvetica"/>
+                <a:cs typeface="Helvetica"/>
               </a:rPr>
               <a:t>WOLP Jan 15</a:t>
             </a:r>
           </a:p>
           <a:p>
             <a:pPr algn="ctr"/>
-            <a:endParaRPr lang="en-US" sz="3200" b="1" dirty="0">
+            <a:endParaRPr lang="en-US" sz="2800" b="1" dirty="0">
               <a:solidFill>
                 <a:schemeClr val="bg1"/>
               </a:solidFill>
-              <a:latin typeface="Futura Condensed"/>
-              <a:cs typeface="Futura Condensed"/>
+              <a:latin typeface="Helvetica"/>
+              <a:cs typeface="Helvetica"/>
             </a:endParaRPr>
           </a:p>
           <a:p>
             <a:pPr algn="ctr"/>
             <a:r>
-              <a:rPr lang="en-US" sz="3200" b="1" dirty="0" smtClean="0">
+              <a:rPr lang="en-US" sz="2800" b="1" dirty="0" smtClean="0">
                 <a:solidFill>
                   <a:schemeClr val="bg1"/>
                 </a:solidFill>
-                <a:latin typeface="Futura Condensed"/>
-                <a:cs typeface="Futura Condensed"/>
+                <a:latin typeface="Helvetica"/>
+                <a:cs typeface="Helvetica"/>
               </a:rPr>
               <a:t>Brian Sharland</a:t>
             </a:r>
@@ -12312,7 +12314,7 @@
             </a:r>
             <a:r>
               <a:rPr lang="en-US" dirty="0" err="1" smtClean="0"/>
-              <a:t>marking_area.py</a:t>
+              <a:t>if_else_turtle.py</a:t>
             </a:r>
             <a:r>
               <a:rPr lang="en-US" dirty="0" smtClean="0"/>
